--- a/the-mckinsey-way/the-mckinsey-way.pptx
+++ b/the-mckinsey-way/the-mckinsey-way.pptx
@@ -104,6 +104,11 @@
       </a:defRPr>
     </a:lvl9pPr>
   </p:defaultTextStyle>
+  <p:extLst>
+    <p:ext uri="{EFAFB233-063F-42B5-8137-9DF3F51BA10A}">
+      <p15:sldGuideLst xmlns:p15="http://schemas.microsoft.com/office/powerpoint/2012/main"/>
+    </p:ext>
+  </p:extLst>
 </p:presentation>
 </file>
 
@@ -3602,7 +3607,7 @@
         </p:nvSpPr>
         <p:spPr>
           <a:xfrm>
-            <a:off x="6674069" y="5011791"/>
+            <a:off x="6674069" y="4978106"/>
             <a:ext cx="5139559" cy="738664"/>
           </a:xfrm>
           <a:prstGeom prst="rect">
@@ -3660,7 +3665,7 @@
         </p:nvSpPr>
         <p:spPr>
           <a:xfrm>
-            <a:off x="430923" y="5750455"/>
+            <a:off x="430924" y="5721561"/>
             <a:ext cx="11288109" cy="369332"/>
           </a:xfrm>
           <a:prstGeom prst="rect">
@@ -3695,7 +3700,7 @@
         </p:nvSpPr>
         <p:spPr>
           <a:xfrm>
-            <a:off x="393076" y="6129364"/>
+            <a:off x="393076" y="6100475"/>
             <a:ext cx="9905132" cy="523220"/>
           </a:xfrm>
           <a:prstGeom prst="rect">

--- a/the-mckinsey-way/the-mckinsey-way.pptx
+++ b/the-mckinsey-way/the-mckinsey-way.pptx
@@ -243,7 +243,7 @@
           <a:p>
             <a:fld id="{69EB3A29-A00B-4ABF-8EB2-F5D3DF8EBA0C}" type="datetimeFigureOut">
               <a:rPr lang="en-US" smtClean="0"/>
-              <a:t>6/7/2018</a:t>
+              <a:t>6/8/2018</a:t>
             </a:fld>
             <a:endParaRPr lang="en-US"/>
           </a:p>
@@ -413,7 +413,7 @@
           <a:p>
             <a:fld id="{69EB3A29-A00B-4ABF-8EB2-F5D3DF8EBA0C}" type="datetimeFigureOut">
               <a:rPr lang="en-US" smtClean="0"/>
-              <a:t>6/7/2018</a:t>
+              <a:t>6/8/2018</a:t>
             </a:fld>
             <a:endParaRPr lang="en-US"/>
           </a:p>
@@ -593,7 +593,7 @@
           <a:p>
             <a:fld id="{69EB3A29-A00B-4ABF-8EB2-F5D3DF8EBA0C}" type="datetimeFigureOut">
               <a:rPr lang="en-US" smtClean="0"/>
-              <a:t>6/7/2018</a:t>
+              <a:t>6/8/2018</a:t>
             </a:fld>
             <a:endParaRPr lang="en-US"/>
           </a:p>
@@ -763,7 +763,7 @@
           <a:p>
             <a:fld id="{69EB3A29-A00B-4ABF-8EB2-F5D3DF8EBA0C}" type="datetimeFigureOut">
               <a:rPr lang="en-US" smtClean="0"/>
-              <a:t>6/7/2018</a:t>
+              <a:t>6/8/2018</a:t>
             </a:fld>
             <a:endParaRPr lang="en-US"/>
           </a:p>
@@ -1009,7 +1009,7 @@
           <a:p>
             <a:fld id="{69EB3A29-A00B-4ABF-8EB2-F5D3DF8EBA0C}" type="datetimeFigureOut">
               <a:rPr lang="en-US" smtClean="0"/>
-              <a:t>6/7/2018</a:t>
+              <a:t>6/8/2018</a:t>
             </a:fld>
             <a:endParaRPr lang="en-US"/>
           </a:p>
@@ -1241,7 +1241,7 @@
           <a:p>
             <a:fld id="{69EB3A29-A00B-4ABF-8EB2-F5D3DF8EBA0C}" type="datetimeFigureOut">
               <a:rPr lang="en-US" smtClean="0"/>
-              <a:t>6/7/2018</a:t>
+              <a:t>6/8/2018</a:t>
             </a:fld>
             <a:endParaRPr lang="en-US"/>
           </a:p>
@@ -1608,7 +1608,7 @@
           <a:p>
             <a:fld id="{69EB3A29-A00B-4ABF-8EB2-F5D3DF8EBA0C}" type="datetimeFigureOut">
               <a:rPr lang="en-US" smtClean="0"/>
-              <a:t>6/7/2018</a:t>
+              <a:t>6/8/2018</a:t>
             </a:fld>
             <a:endParaRPr lang="en-US"/>
           </a:p>
@@ -1726,7 +1726,7 @@
           <a:p>
             <a:fld id="{69EB3A29-A00B-4ABF-8EB2-F5D3DF8EBA0C}" type="datetimeFigureOut">
               <a:rPr lang="en-US" smtClean="0"/>
-              <a:t>6/7/2018</a:t>
+              <a:t>6/8/2018</a:t>
             </a:fld>
             <a:endParaRPr lang="en-US"/>
           </a:p>
@@ -1821,7 +1821,7 @@
           <a:p>
             <a:fld id="{69EB3A29-A00B-4ABF-8EB2-F5D3DF8EBA0C}" type="datetimeFigureOut">
               <a:rPr lang="en-US" smtClean="0"/>
-              <a:t>6/7/2018</a:t>
+              <a:t>6/8/2018</a:t>
             </a:fld>
             <a:endParaRPr lang="en-US"/>
           </a:p>
@@ -2098,7 +2098,7 @@
           <a:p>
             <a:fld id="{69EB3A29-A00B-4ABF-8EB2-F5D3DF8EBA0C}" type="datetimeFigureOut">
               <a:rPr lang="en-US" smtClean="0"/>
-              <a:t>6/7/2018</a:t>
+              <a:t>6/8/2018</a:t>
             </a:fld>
             <a:endParaRPr lang="en-US"/>
           </a:p>
@@ -2351,7 +2351,7 @@
           <a:p>
             <a:fld id="{69EB3A29-A00B-4ABF-8EB2-F5D3DF8EBA0C}" type="datetimeFigureOut">
               <a:rPr lang="en-US" smtClean="0"/>
-              <a:t>6/7/2018</a:t>
+              <a:t>6/8/2018</a:t>
             </a:fld>
             <a:endParaRPr lang="en-US"/>
           </a:p>
@@ -2564,7 +2564,7 @@
           <a:p>
             <a:fld id="{69EB3A29-A00B-4ABF-8EB2-F5D3DF8EBA0C}" type="datetimeFigureOut">
               <a:rPr lang="en-US" smtClean="0"/>
-              <a:t>6/7/2018</a:t>
+              <a:t>6/8/2018</a:t>
             </a:fld>
             <a:endParaRPr lang="en-US"/>
           </a:p>
@@ -3169,8 +3169,8 @@
         </p:nvSpPr>
         <p:spPr>
           <a:xfrm>
-            <a:off x="1686886" y="1749422"/>
-            <a:ext cx="2088859" cy="523220"/>
+            <a:off x="1609707" y="1527269"/>
+            <a:ext cx="2297745" cy="954107"/>
           </a:xfrm>
           <a:prstGeom prst="rect">
             <a:avLst/>
@@ -3185,14 +3185,34 @@
           <a:p>
             <a:pPr algn="ctr"/>
             <a:r>
-              <a:rPr lang="nb-NO" sz="2800" b="1" dirty="0" err="1" smtClean="0">
+              <a:rPr lang="en-US" sz="2800" b="1" dirty="0" smtClean="0">
                 <a:solidFill>
                   <a:schemeClr val="accent6">
                     <a:lumMod val="50000"/>
                   </a:schemeClr>
                 </a:solidFill>
               </a:rPr>
-              <a:t>Analyze</a:t>
+              <a:t>Collect facts </a:t>
+            </a:r>
+            <a:r>
+              <a:rPr lang="en-US" sz="2800" b="1" dirty="0">
+                <a:solidFill>
+                  <a:schemeClr val="accent6">
+                    <a:lumMod val="50000"/>
+                  </a:schemeClr>
+                </a:solidFill>
+              </a:rPr>
+              <a:t>e</a:t>
+            </a:r>
+            <a:r>
+              <a:rPr lang="en-US" sz="2800" b="1" dirty="0" smtClean="0">
+                <a:solidFill>
+                  <a:schemeClr val="accent6">
+                    <a:lumMod val="50000"/>
+                  </a:schemeClr>
+                </a:solidFill>
+              </a:rPr>
+              <a:t>xhaustively</a:t>
             </a:r>
             <a:endParaRPr lang="en-US" sz="2800" b="1" dirty="0">
               <a:solidFill>
@@ -3212,8 +3232,8 @@
         </p:nvSpPr>
         <p:spPr>
           <a:xfrm>
-            <a:off x="1308682" y="2316229"/>
-            <a:ext cx="2843868" cy="1477328"/>
+            <a:off x="1336645" y="2490417"/>
+            <a:ext cx="2843868" cy="1200329"/>
           </a:xfrm>
           <a:prstGeom prst="rect">
             <a:avLst/>
@@ -3229,15 +3249,11 @@
             <a:pPr algn="ctr"/>
             <a:r>
               <a:rPr lang="en-US" b="1" dirty="0" smtClean="0"/>
-              <a:t>Analyze thoroughly </a:t>
-            </a:r>
-            <a:r>
-              <a:rPr lang="en-US" b="1" dirty="0"/>
-              <a:t>and collect facts </a:t>
+              <a:t>Analyze </a:t>
             </a:r>
             <a:r>
               <a:rPr lang="en-US" b="1" dirty="0" smtClean="0"/>
-              <a:t>exhaustively. </a:t>
+              <a:t>thoroughly. </a:t>
             </a:r>
             <a:r>
               <a:rPr lang="en-US" b="1" dirty="0"/>
@@ -3259,8 +3275,8 @@
         </p:nvSpPr>
         <p:spPr>
           <a:xfrm>
-            <a:off x="4954398" y="1759331"/>
-            <a:ext cx="2088859" cy="523220"/>
+            <a:off x="4953698" y="1527270"/>
+            <a:ext cx="2088859" cy="954107"/>
           </a:xfrm>
           <a:prstGeom prst="rect">
             <a:avLst/>
@@ -3284,6 +3300,36 @@
               </a:rPr>
               <a:t>Structure</a:t>
             </a:r>
+            <a:r>
+              <a:rPr lang="nb-NO" sz="2800" b="1" dirty="0" smtClean="0">
+                <a:solidFill>
+                  <a:schemeClr val="accent1">
+                    <a:lumMod val="50000"/>
+                  </a:schemeClr>
+                </a:solidFill>
+              </a:rPr>
+              <a:t> </a:t>
+            </a:r>
+            <a:r>
+              <a:rPr lang="nb-NO" sz="2800" b="1" dirty="0" err="1">
+                <a:solidFill>
+                  <a:schemeClr val="accent1">
+                    <a:lumMod val="50000"/>
+                  </a:schemeClr>
+                </a:solidFill>
+              </a:rPr>
+              <a:t>t</a:t>
+            </a:r>
+            <a:r>
+              <a:rPr lang="nb-NO" sz="2800" b="1" dirty="0" err="1" smtClean="0">
+                <a:solidFill>
+                  <a:schemeClr val="accent1">
+                    <a:lumMod val="50000"/>
+                  </a:schemeClr>
+                </a:solidFill>
+              </a:rPr>
+              <a:t>horoughly</a:t>
+            </a:r>
             <a:endParaRPr lang="en-US" sz="2800" b="1" dirty="0">
               <a:solidFill>
                 <a:schemeClr val="accent1">
@@ -3302,7 +3348,7 @@
         </p:nvSpPr>
         <p:spPr>
           <a:xfrm>
-            <a:off x="4576194" y="2326138"/>
+            <a:off x="4576193" y="2490417"/>
             <a:ext cx="2843868" cy="1200329"/>
           </a:xfrm>
           <a:prstGeom prst="rect">
@@ -3332,8 +3378,8 @@
         </p:nvSpPr>
         <p:spPr>
           <a:xfrm>
-            <a:off x="8221910" y="1677945"/>
-            <a:ext cx="2088859" cy="523220"/>
+            <a:off x="8199418" y="1527269"/>
+            <a:ext cx="2088859" cy="954107"/>
           </a:xfrm>
           <a:prstGeom prst="rect">
             <a:avLst/>
@@ -3355,7 +3401,37 @@
                   </a:schemeClr>
                 </a:solidFill>
               </a:rPr>
-              <a:t>Hypotheses</a:t>
+              <a:t>Create</a:t>
+            </a:r>
+            <a:r>
+              <a:rPr lang="nb-NO" sz="2800" b="1" dirty="0" smtClean="0">
+                <a:solidFill>
+                  <a:schemeClr val="accent2">
+                    <a:lumMod val="50000"/>
+                  </a:schemeClr>
+                </a:solidFill>
+              </a:rPr>
+              <a:t> </a:t>
+            </a:r>
+            <a:r>
+              <a:rPr lang="nb-NO" sz="2800" b="1" dirty="0" err="1">
+                <a:solidFill>
+                  <a:schemeClr val="accent2">
+                    <a:lumMod val="50000"/>
+                  </a:schemeClr>
+                </a:solidFill>
+              </a:rPr>
+              <a:t>h</a:t>
+            </a:r>
+            <a:r>
+              <a:rPr lang="nb-NO" sz="2800" b="1" dirty="0" err="1" smtClean="0">
+                <a:solidFill>
+                  <a:schemeClr val="accent2">
+                    <a:lumMod val="50000"/>
+                  </a:schemeClr>
+                </a:solidFill>
+              </a:rPr>
+              <a:t>ypotheses</a:t>
             </a:r>
             <a:endParaRPr lang="en-US" sz="2800" b="1" dirty="0">
               <a:solidFill>
@@ -3375,7 +3451,7 @@
         </p:nvSpPr>
         <p:spPr>
           <a:xfrm>
-            <a:off x="7843706" y="2244752"/>
+            <a:off x="7858246" y="2480134"/>
             <a:ext cx="2843868" cy="1200329"/>
           </a:xfrm>
           <a:prstGeom prst="rect">
@@ -3452,14 +3528,26 @@
           <a:p>
             <a:pPr algn="ctr"/>
             <a:r>
-              <a:rPr lang="en-US" b="1" dirty="0"/>
+              <a:rPr lang="en-US" b="1" dirty="0">
+                <a:solidFill>
+                  <a:srgbClr val="FF0000"/>
+                </a:solidFill>
+              </a:rPr>
               <a:t>Mutually Exclusive (ME) and Collectively Exhaustive (CE</a:t>
             </a:r>
             <a:r>
-              <a:rPr lang="en-US" b="1" dirty="0" smtClean="0"/>
+              <a:rPr lang="en-US" b="1" dirty="0" smtClean="0">
+                <a:solidFill>
+                  <a:srgbClr val="FF0000"/>
+                </a:solidFill>
+              </a:rPr>
               <a:t>)</a:t>
             </a:r>
-            <a:endParaRPr lang="en-US" b="1" dirty="0"/>
+            <a:endParaRPr lang="en-US" b="1" dirty="0">
+              <a:solidFill>
+                <a:srgbClr val="FF0000"/>
+              </a:solidFill>
+            </a:endParaRPr>
           </a:p>
         </p:txBody>
       </p:sp>
